--- a/slides/06-playground.pptx
+++ b/slides/06-playground.pptx
@@ -113,6 +113,9 @@
   <p:extLst>
     <p:ext uri="{EFAFB233-063F-42B5-8137-9DF3F51BA10A}">
       <p15:sldGuideLst xmlns:p15="http://schemas.microsoft.com/office/powerpoint/2012/main"/>
+    </p:ext>
+    <p:ext uri="{2D200454-40CA-4A62-9FC3-DE9A4176ACB9}">
+      <p15:notesGuideLst xmlns:p15="http://schemas.microsoft.com/office/powerpoint/2012/main"/>
     </p:ext>
   </p:extLst>
 </p:presentation>
@@ -391,7 +394,7 @@
           <a:p>
             <a:fld id="{855B53BB-9CA8-4E36-AA7C-C10D869BF69A}" type="datetimeFigureOut">
               <a:rPr lang="en-US" smtClean="0"/>
-              <a:t>8/5/24</a:t>
+              <a:t>9/30/24</a:t>
             </a:fld>
             <a:endParaRPr lang="en-US"/>
           </a:p>
@@ -818,15 +821,7 @@
           <a:p>
             <a:r>
               <a:rPr lang="en-US" dirty="0"/>
-              <a:t>For that, we’ve built an online playground that you can use for free, on any machine that </a:t>
-            </a:r>
-            <a:r>
-              <a:rPr lang="en-US"/>
-              <a:t>can run </a:t>
-            </a:r>
-            <a:r>
-              <a:rPr lang="en-US" dirty="0"/>
-              <a:t>a web browser, so you don’t even need a fast GPU or CPU.</a:t>
+              <a:t>For that, we’ve built an online playground that you can use for free, on any machine that can run a web browser, so you don’t even need a fast GPU or CPU.</a:t>
             </a:r>
           </a:p>
           <a:p>
@@ -1140,7 +1135,15 @@
           <a:p>
             <a:r>
               <a:rPr lang="en-US" i="1" dirty="0"/>
-              <a:t>Stay tuned for the next video, we have plenty more content coming for you, to learn more about how you can use AI more effectively and deploy your apps when it’s time to shine.</a:t>
+              <a:t>Stay tuned for the </a:t>
+            </a:r>
+            <a:r>
+              <a:rPr lang="en-US" i="1"/>
+              <a:t>next session, </a:t>
+            </a:r>
+            <a:r>
+              <a:rPr lang="en-US" i="1" dirty="0"/>
+              <a:t>we have plenty more content coming for you, to learn more about how you can use AI more effectively and deploy your apps when it’s time to shine.</a:t>
             </a:r>
           </a:p>
           <a:p>
@@ -1339,7 +1342,7 @@
                 <a:tabLst/>
                 <a:defRPr/>
               </a:pPr>
-              <a:t>8/5/24 4:14 PM</a:t>
+              <a:t>9/30/24 2:16 PM</a:t>
             </a:fld>
             <a:endParaRPr kumimoji="0" lang="en-US" sz="1200" b="0" i="0" u="none" strike="noStrike" kern="1200" cap="none" spc="0" normalizeH="0" baseline="0" noProof="0" dirty="0">
               <a:ln>
@@ -1504,18 +1507,7 @@
           <a:bodyPr/>
           <a:lstStyle/>
           <a:p>
-            <a:r>
-              <a:rPr lang="en-FR" dirty="0"/>
-              <a:t>Next video</a:t>
-            </a:r>
-            <a:r>
-              <a:rPr lang="en-FR"/>
-              <a:t>: essential </a:t>
-            </a:r>
-            <a:r>
-              <a:rPr lang="en-FR" dirty="0"/>
-              <a:t>prompt engineering techniques</a:t>
-            </a:r>
+            <a:endParaRPr lang="en-FR" dirty="0"/>
           </a:p>
         </p:txBody>
       </p:sp>
